--- a/ppt 16-9/0545.默想主恩.pptx
+++ b/ppt 16-9/0545.默想主恩.pptx
@@ -129,7 +129,7 @@
           <p:cNvPr id="2" name="标题 1">
             <a:extLst>
               <a:ext uri="{FF2B5EF4-FFF2-40B4-BE49-F238E27FC236}">
-                <a16:creationId xmlns:a16="http://schemas.microsoft.com/office/drawing/2014/main" id="{AA0150C7-F2E5-D9AE-CFBA-044FA6CA7B70}"/>
+                <a16:creationId xmlns:a16="http://schemas.microsoft.com/office/drawing/2014/main" id="{A01253FB-3FE1-3F0A-7695-49EA798BBA8D}"/>
               </a:ext>
             </a:extLst>
           </p:cNvPr>
@@ -166,7 +166,7 @@
           <p:cNvPr id="3" name="副标题 2">
             <a:extLst>
               <a:ext uri="{FF2B5EF4-FFF2-40B4-BE49-F238E27FC236}">
-                <a16:creationId xmlns:a16="http://schemas.microsoft.com/office/drawing/2014/main" id="{ED0FEA09-3723-3B35-545C-06A2F21CBC6C}"/>
+                <a16:creationId xmlns:a16="http://schemas.microsoft.com/office/drawing/2014/main" id="{88814363-EC3B-CC08-3354-FCC35A325D9A}"/>
               </a:ext>
             </a:extLst>
           </p:cNvPr>
@@ -236,7 +236,7 @@
           <p:cNvPr id="4" name="日期占位符 3">
             <a:extLst>
               <a:ext uri="{FF2B5EF4-FFF2-40B4-BE49-F238E27FC236}">
-                <a16:creationId xmlns:a16="http://schemas.microsoft.com/office/drawing/2014/main" id="{3F90E0EA-7F4B-A9AE-6753-59806D52984F}"/>
+                <a16:creationId xmlns:a16="http://schemas.microsoft.com/office/drawing/2014/main" id="{889D844C-F209-6294-29EC-04B08517DE59}"/>
               </a:ext>
             </a:extLst>
           </p:cNvPr>
@@ -252,7 +252,7 @@
           <a:bodyPr/>
           <a:lstStyle/>
           <a:p>
-            <a:fld id="{C7ADFB42-82CF-4528-91D9-5ED66AACD96E}" type="datetimeFigureOut">
+            <a:fld id="{85E47519-7876-4536-96CD-5F80D9F87678}" type="datetimeFigureOut">
               <a:rPr lang="zh-CN" altLang="en-US" smtClean="0"/>
               <a:t>2024/3/10</a:t>
             </a:fld>
@@ -265,7 +265,7 @@
           <p:cNvPr id="5" name="页脚占位符 4">
             <a:extLst>
               <a:ext uri="{FF2B5EF4-FFF2-40B4-BE49-F238E27FC236}">
-                <a16:creationId xmlns:a16="http://schemas.microsoft.com/office/drawing/2014/main" id="{82C88879-61E5-A386-B9A1-0730F03395E8}"/>
+                <a16:creationId xmlns:a16="http://schemas.microsoft.com/office/drawing/2014/main" id="{3059CA26-A49E-7FC6-B6D1-C562D12CD279}"/>
               </a:ext>
             </a:extLst>
           </p:cNvPr>
@@ -290,7 +290,7 @@
           <p:cNvPr id="6" name="灯片编号占位符 5">
             <a:extLst>
               <a:ext uri="{FF2B5EF4-FFF2-40B4-BE49-F238E27FC236}">
-                <a16:creationId xmlns:a16="http://schemas.microsoft.com/office/drawing/2014/main" id="{FC996191-88E6-9068-5FCE-43DA42EA3D54}"/>
+                <a16:creationId xmlns:a16="http://schemas.microsoft.com/office/drawing/2014/main" id="{837F884E-FFBD-F27A-90D5-B890D45F2D02}"/>
               </a:ext>
             </a:extLst>
           </p:cNvPr>
@@ -306,7 +306,7 @@
           <a:bodyPr/>
           <a:lstStyle/>
           <a:p>
-            <a:fld id="{C85850EA-495F-47C3-9DC0-91849F87B853}" type="slidenum">
+            <a:fld id="{541C7BFE-D5C8-4075-AEAA-FD07FDD9354A}" type="slidenum">
               <a:rPr lang="zh-CN" altLang="en-US" smtClean="0"/>
               <a:t>‹#›</a:t>
             </a:fld>
@@ -317,7 +317,7 @@
     </p:spTree>
     <p:extLst>
       <p:ext uri="{BB962C8B-B14F-4D97-AF65-F5344CB8AC3E}">
-        <p14:creationId xmlns:p14="http://schemas.microsoft.com/office/powerpoint/2010/main" val="78795018"/>
+        <p14:creationId xmlns:p14="http://schemas.microsoft.com/office/powerpoint/2010/main" val="534794433"/>
       </p:ext>
     </p:extLst>
   </p:cSld>
@@ -349,7 +349,7 @@
           <p:cNvPr id="2" name="标题 1">
             <a:extLst>
               <a:ext uri="{FF2B5EF4-FFF2-40B4-BE49-F238E27FC236}">
-                <a16:creationId xmlns:a16="http://schemas.microsoft.com/office/drawing/2014/main" id="{38E3E9EE-E064-90A0-8BD6-6CEC44BEB29A}"/>
+                <a16:creationId xmlns:a16="http://schemas.microsoft.com/office/drawing/2014/main" id="{3A84E20A-3444-91CA-41B8-E8315189C19C}"/>
               </a:ext>
             </a:extLst>
           </p:cNvPr>
@@ -377,7 +377,7 @@
           <p:cNvPr id="3" name="竖排文字占位符 2">
             <a:extLst>
               <a:ext uri="{FF2B5EF4-FFF2-40B4-BE49-F238E27FC236}">
-                <a16:creationId xmlns:a16="http://schemas.microsoft.com/office/drawing/2014/main" id="{1BF011FB-7CB7-5B36-5B1D-940EFD654B00}"/>
+                <a16:creationId xmlns:a16="http://schemas.microsoft.com/office/drawing/2014/main" id="{6F3A72D4-066B-5DFE-560D-4DEE10AD616F}"/>
               </a:ext>
             </a:extLst>
           </p:cNvPr>
@@ -434,7 +434,7 @@
           <p:cNvPr id="4" name="日期占位符 3">
             <a:extLst>
               <a:ext uri="{FF2B5EF4-FFF2-40B4-BE49-F238E27FC236}">
-                <a16:creationId xmlns:a16="http://schemas.microsoft.com/office/drawing/2014/main" id="{2BAC3C2B-55CE-6269-DD52-697201079CFE}"/>
+                <a16:creationId xmlns:a16="http://schemas.microsoft.com/office/drawing/2014/main" id="{ECD82F50-A1D4-30D5-E874-F2C3E5B78E8E}"/>
               </a:ext>
             </a:extLst>
           </p:cNvPr>
@@ -450,7 +450,7 @@
           <a:bodyPr/>
           <a:lstStyle/>
           <a:p>
-            <a:fld id="{C7ADFB42-82CF-4528-91D9-5ED66AACD96E}" type="datetimeFigureOut">
+            <a:fld id="{85E47519-7876-4536-96CD-5F80D9F87678}" type="datetimeFigureOut">
               <a:rPr lang="zh-CN" altLang="en-US" smtClean="0"/>
               <a:t>2024/3/10</a:t>
             </a:fld>
@@ -463,7 +463,7 @@
           <p:cNvPr id="5" name="页脚占位符 4">
             <a:extLst>
               <a:ext uri="{FF2B5EF4-FFF2-40B4-BE49-F238E27FC236}">
-                <a16:creationId xmlns:a16="http://schemas.microsoft.com/office/drawing/2014/main" id="{BADDB8E6-12C1-5D29-3992-388E0B4F6315}"/>
+                <a16:creationId xmlns:a16="http://schemas.microsoft.com/office/drawing/2014/main" id="{373B39C1-6904-A30B-E76A-837409BCA394}"/>
               </a:ext>
             </a:extLst>
           </p:cNvPr>
@@ -488,7 +488,7 @@
           <p:cNvPr id="6" name="灯片编号占位符 5">
             <a:extLst>
               <a:ext uri="{FF2B5EF4-FFF2-40B4-BE49-F238E27FC236}">
-                <a16:creationId xmlns:a16="http://schemas.microsoft.com/office/drawing/2014/main" id="{CA01887B-52E3-E022-2B09-F0540DAB790D}"/>
+                <a16:creationId xmlns:a16="http://schemas.microsoft.com/office/drawing/2014/main" id="{13FFFBD4-A170-B0FB-4139-A379C062F520}"/>
               </a:ext>
             </a:extLst>
           </p:cNvPr>
@@ -504,7 +504,7 @@
           <a:bodyPr/>
           <a:lstStyle/>
           <a:p>
-            <a:fld id="{C85850EA-495F-47C3-9DC0-91849F87B853}" type="slidenum">
+            <a:fld id="{541C7BFE-D5C8-4075-AEAA-FD07FDD9354A}" type="slidenum">
               <a:rPr lang="zh-CN" altLang="en-US" smtClean="0"/>
               <a:t>‹#›</a:t>
             </a:fld>
@@ -515,7 +515,7 @@
     </p:spTree>
     <p:extLst>
       <p:ext uri="{BB962C8B-B14F-4D97-AF65-F5344CB8AC3E}">
-        <p14:creationId xmlns:p14="http://schemas.microsoft.com/office/powerpoint/2010/main" val="3207687149"/>
+        <p14:creationId xmlns:p14="http://schemas.microsoft.com/office/powerpoint/2010/main" val="3543202124"/>
       </p:ext>
     </p:extLst>
   </p:cSld>
@@ -547,7 +547,7 @@
           <p:cNvPr id="2" name="竖排标题 1">
             <a:extLst>
               <a:ext uri="{FF2B5EF4-FFF2-40B4-BE49-F238E27FC236}">
-                <a16:creationId xmlns:a16="http://schemas.microsoft.com/office/drawing/2014/main" id="{8432C057-B42C-EE92-5C7F-5B295BF63D64}"/>
+                <a16:creationId xmlns:a16="http://schemas.microsoft.com/office/drawing/2014/main" id="{F9E64F67-7B32-2DBA-A602-28041EDBA656}"/>
               </a:ext>
             </a:extLst>
           </p:cNvPr>
@@ -580,7 +580,7 @@
           <p:cNvPr id="3" name="竖排文字占位符 2">
             <a:extLst>
               <a:ext uri="{FF2B5EF4-FFF2-40B4-BE49-F238E27FC236}">
-                <a16:creationId xmlns:a16="http://schemas.microsoft.com/office/drawing/2014/main" id="{AF166BFF-1C86-7691-22C3-440452EEBF5B}"/>
+                <a16:creationId xmlns:a16="http://schemas.microsoft.com/office/drawing/2014/main" id="{8E2C1618-39D3-396B-0DCA-6E50A9095B7A}"/>
               </a:ext>
             </a:extLst>
           </p:cNvPr>
@@ -642,7 +642,7 @@
           <p:cNvPr id="4" name="日期占位符 3">
             <a:extLst>
               <a:ext uri="{FF2B5EF4-FFF2-40B4-BE49-F238E27FC236}">
-                <a16:creationId xmlns:a16="http://schemas.microsoft.com/office/drawing/2014/main" id="{57DE49D6-19A2-0A4F-5156-39C5D819C4E3}"/>
+                <a16:creationId xmlns:a16="http://schemas.microsoft.com/office/drawing/2014/main" id="{1F759357-A36D-D26F-169B-97A4526A9460}"/>
               </a:ext>
             </a:extLst>
           </p:cNvPr>
@@ -658,7 +658,7 @@
           <a:bodyPr/>
           <a:lstStyle/>
           <a:p>
-            <a:fld id="{C7ADFB42-82CF-4528-91D9-5ED66AACD96E}" type="datetimeFigureOut">
+            <a:fld id="{85E47519-7876-4536-96CD-5F80D9F87678}" type="datetimeFigureOut">
               <a:rPr lang="zh-CN" altLang="en-US" smtClean="0"/>
               <a:t>2024/3/10</a:t>
             </a:fld>
@@ -671,7 +671,7 @@
           <p:cNvPr id="5" name="页脚占位符 4">
             <a:extLst>
               <a:ext uri="{FF2B5EF4-FFF2-40B4-BE49-F238E27FC236}">
-                <a16:creationId xmlns:a16="http://schemas.microsoft.com/office/drawing/2014/main" id="{A9B98C7F-6BDF-315A-DB38-9A7B8C1E6B3F}"/>
+                <a16:creationId xmlns:a16="http://schemas.microsoft.com/office/drawing/2014/main" id="{A1B239F4-4B67-760E-EE05-6498565B1EA6}"/>
               </a:ext>
             </a:extLst>
           </p:cNvPr>
@@ -696,7 +696,7 @@
           <p:cNvPr id="6" name="灯片编号占位符 5">
             <a:extLst>
               <a:ext uri="{FF2B5EF4-FFF2-40B4-BE49-F238E27FC236}">
-                <a16:creationId xmlns:a16="http://schemas.microsoft.com/office/drawing/2014/main" id="{B9162AE4-1454-D2EF-A30E-C6C60F95D5D7}"/>
+                <a16:creationId xmlns:a16="http://schemas.microsoft.com/office/drawing/2014/main" id="{D43475DC-86B9-A9D9-334D-BEFFCCD34130}"/>
               </a:ext>
             </a:extLst>
           </p:cNvPr>
@@ -712,7 +712,7 @@
           <a:bodyPr/>
           <a:lstStyle/>
           <a:p>
-            <a:fld id="{C85850EA-495F-47C3-9DC0-91849F87B853}" type="slidenum">
+            <a:fld id="{541C7BFE-D5C8-4075-AEAA-FD07FDD9354A}" type="slidenum">
               <a:rPr lang="zh-CN" altLang="en-US" smtClean="0"/>
               <a:t>‹#›</a:t>
             </a:fld>
@@ -723,7 +723,7 @@
     </p:spTree>
     <p:extLst>
       <p:ext uri="{BB962C8B-B14F-4D97-AF65-F5344CB8AC3E}">
-        <p14:creationId xmlns:p14="http://schemas.microsoft.com/office/powerpoint/2010/main" val="46070350"/>
+        <p14:creationId xmlns:p14="http://schemas.microsoft.com/office/powerpoint/2010/main" val="3847879895"/>
       </p:ext>
     </p:extLst>
   </p:cSld>
@@ -755,7 +755,7 @@
           <p:cNvPr id="2" name="标题 1">
             <a:extLst>
               <a:ext uri="{FF2B5EF4-FFF2-40B4-BE49-F238E27FC236}">
-                <a16:creationId xmlns:a16="http://schemas.microsoft.com/office/drawing/2014/main" id="{BC37F20A-C1C0-1785-84C8-70A5CFC23C08}"/>
+                <a16:creationId xmlns:a16="http://schemas.microsoft.com/office/drawing/2014/main" id="{3E8E88A1-DCB0-4B91-0538-477226EE5C45}"/>
               </a:ext>
             </a:extLst>
           </p:cNvPr>
@@ -783,7 +783,7 @@
           <p:cNvPr id="3" name="内容占位符 2">
             <a:extLst>
               <a:ext uri="{FF2B5EF4-FFF2-40B4-BE49-F238E27FC236}">
-                <a16:creationId xmlns:a16="http://schemas.microsoft.com/office/drawing/2014/main" id="{E1A08AA7-5482-80F3-0C60-5D6B6252231C}"/>
+                <a16:creationId xmlns:a16="http://schemas.microsoft.com/office/drawing/2014/main" id="{D7487546-8F5B-F6CC-D02C-9B926066E111}"/>
               </a:ext>
             </a:extLst>
           </p:cNvPr>
@@ -840,7 +840,7 @@
           <p:cNvPr id="4" name="日期占位符 3">
             <a:extLst>
               <a:ext uri="{FF2B5EF4-FFF2-40B4-BE49-F238E27FC236}">
-                <a16:creationId xmlns:a16="http://schemas.microsoft.com/office/drawing/2014/main" id="{0277BAE1-6F08-E590-F262-84FF709BA9AE}"/>
+                <a16:creationId xmlns:a16="http://schemas.microsoft.com/office/drawing/2014/main" id="{3F91F925-BC7B-090C-0F29-FA694EE37507}"/>
               </a:ext>
             </a:extLst>
           </p:cNvPr>
@@ -856,7 +856,7 @@
           <a:bodyPr/>
           <a:lstStyle/>
           <a:p>
-            <a:fld id="{C7ADFB42-82CF-4528-91D9-5ED66AACD96E}" type="datetimeFigureOut">
+            <a:fld id="{85E47519-7876-4536-96CD-5F80D9F87678}" type="datetimeFigureOut">
               <a:rPr lang="zh-CN" altLang="en-US" smtClean="0"/>
               <a:t>2024/3/10</a:t>
             </a:fld>
@@ -869,7 +869,7 @@
           <p:cNvPr id="5" name="页脚占位符 4">
             <a:extLst>
               <a:ext uri="{FF2B5EF4-FFF2-40B4-BE49-F238E27FC236}">
-                <a16:creationId xmlns:a16="http://schemas.microsoft.com/office/drawing/2014/main" id="{C84E4530-8B0E-85EB-0F30-C16049946EA2}"/>
+                <a16:creationId xmlns:a16="http://schemas.microsoft.com/office/drawing/2014/main" id="{2FCB4309-0AB3-C8FE-1EFA-B06C6BAFE6DE}"/>
               </a:ext>
             </a:extLst>
           </p:cNvPr>
@@ -894,7 +894,7 @@
           <p:cNvPr id="6" name="灯片编号占位符 5">
             <a:extLst>
               <a:ext uri="{FF2B5EF4-FFF2-40B4-BE49-F238E27FC236}">
-                <a16:creationId xmlns:a16="http://schemas.microsoft.com/office/drawing/2014/main" id="{18418E88-874F-F7A1-D7DE-5A41879D1236}"/>
+                <a16:creationId xmlns:a16="http://schemas.microsoft.com/office/drawing/2014/main" id="{3E0F3A5D-C4E5-6FF2-F0DB-DEB9850CCDA7}"/>
               </a:ext>
             </a:extLst>
           </p:cNvPr>
@@ -910,7 +910,7 @@
           <a:bodyPr/>
           <a:lstStyle/>
           <a:p>
-            <a:fld id="{C85850EA-495F-47C3-9DC0-91849F87B853}" type="slidenum">
+            <a:fld id="{541C7BFE-D5C8-4075-AEAA-FD07FDD9354A}" type="slidenum">
               <a:rPr lang="zh-CN" altLang="en-US" smtClean="0"/>
               <a:t>‹#›</a:t>
             </a:fld>
@@ -921,7 +921,7 @@
     </p:spTree>
     <p:extLst>
       <p:ext uri="{BB962C8B-B14F-4D97-AF65-F5344CB8AC3E}">
-        <p14:creationId xmlns:p14="http://schemas.microsoft.com/office/powerpoint/2010/main" val="1554141743"/>
+        <p14:creationId xmlns:p14="http://schemas.microsoft.com/office/powerpoint/2010/main" val="305189442"/>
       </p:ext>
     </p:extLst>
   </p:cSld>
@@ -953,7 +953,7 @@
           <p:cNvPr id="2" name="标题 1">
             <a:extLst>
               <a:ext uri="{FF2B5EF4-FFF2-40B4-BE49-F238E27FC236}">
-                <a16:creationId xmlns:a16="http://schemas.microsoft.com/office/drawing/2014/main" id="{E23A2A89-B117-7418-4C09-CCA75DDBBCF1}"/>
+                <a16:creationId xmlns:a16="http://schemas.microsoft.com/office/drawing/2014/main" id="{B117778A-212E-7E81-A2A2-352A1424012E}"/>
               </a:ext>
             </a:extLst>
           </p:cNvPr>
@@ -990,7 +990,7 @@
           <p:cNvPr id="3" name="文本占位符 2">
             <a:extLst>
               <a:ext uri="{FF2B5EF4-FFF2-40B4-BE49-F238E27FC236}">
-                <a16:creationId xmlns:a16="http://schemas.microsoft.com/office/drawing/2014/main" id="{3C5F3BB5-6F78-5065-FA09-DB9CE90967E4}"/>
+                <a16:creationId xmlns:a16="http://schemas.microsoft.com/office/drawing/2014/main" id="{9BA63865-130F-152D-D8E9-E801E1AC4152}"/>
               </a:ext>
             </a:extLst>
           </p:cNvPr>
@@ -1115,7 +1115,7 @@
           <p:cNvPr id="4" name="日期占位符 3">
             <a:extLst>
               <a:ext uri="{FF2B5EF4-FFF2-40B4-BE49-F238E27FC236}">
-                <a16:creationId xmlns:a16="http://schemas.microsoft.com/office/drawing/2014/main" id="{E3B482D9-FB62-90ED-F185-BDC82BA0DB0A}"/>
+                <a16:creationId xmlns:a16="http://schemas.microsoft.com/office/drawing/2014/main" id="{64F15798-B52D-BD20-08CC-8BD1A7D1B32B}"/>
               </a:ext>
             </a:extLst>
           </p:cNvPr>
@@ -1131,7 +1131,7 @@
           <a:bodyPr/>
           <a:lstStyle/>
           <a:p>
-            <a:fld id="{C7ADFB42-82CF-4528-91D9-5ED66AACD96E}" type="datetimeFigureOut">
+            <a:fld id="{85E47519-7876-4536-96CD-5F80D9F87678}" type="datetimeFigureOut">
               <a:rPr lang="zh-CN" altLang="en-US" smtClean="0"/>
               <a:t>2024/3/10</a:t>
             </a:fld>
@@ -1144,7 +1144,7 @@
           <p:cNvPr id="5" name="页脚占位符 4">
             <a:extLst>
               <a:ext uri="{FF2B5EF4-FFF2-40B4-BE49-F238E27FC236}">
-                <a16:creationId xmlns:a16="http://schemas.microsoft.com/office/drawing/2014/main" id="{9505BE08-0BED-FC57-E304-E54B479E8B7D}"/>
+                <a16:creationId xmlns:a16="http://schemas.microsoft.com/office/drawing/2014/main" id="{7E173358-53A5-EE51-3CAC-FA3F4D3E8484}"/>
               </a:ext>
             </a:extLst>
           </p:cNvPr>
@@ -1169,7 +1169,7 @@
           <p:cNvPr id="6" name="灯片编号占位符 5">
             <a:extLst>
               <a:ext uri="{FF2B5EF4-FFF2-40B4-BE49-F238E27FC236}">
-                <a16:creationId xmlns:a16="http://schemas.microsoft.com/office/drawing/2014/main" id="{32DBF161-65C4-F2D7-72F2-A5A1B283C5F3}"/>
+                <a16:creationId xmlns:a16="http://schemas.microsoft.com/office/drawing/2014/main" id="{D86740DB-FA78-C588-FBF8-B1F03486491C}"/>
               </a:ext>
             </a:extLst>
           </p:cNvPr>
@@ -1185,7 +1185,7 @@
           <a:bodyPr/>
           <a:lstStyle/>
           <a:p>
-            <a:fld id="{C85850EA-495F-47C3-9DC0-91849F87B853}" type="slidenum">
+            <a:fld id="{541C7BFE-D5C8-4075-AEAA-FD07FDD9354A}" type="slidenum">
               <a:rPr lang="zh-CN" altLang="en-US" smtClean="0"/>
               <a:t>‹#›</a:t>
             </a:fld>
@@ -1196,7 +1196,7 @@
     </p:spTree>
     <p:extLst>
       <p:ext uri="{BB962C8B-B14F-4D97-AF65-F5344CB8AC3E}">
-        <p14:creationId xmlns:p14="http://schemas.microsoft.com/office/powerpoint/2010/main" val="3064982477"/>
+        <p14:creationId xmlns:p14="http://schemas.microsoft.com/office/powerpoint/2010/main" val="2651224283"/>
       </p:ext>
     </p:extLst>
   </p:cSld>
@@ -1228,7 +1228,7 @@
           <p:cNvPr id="2" name="标题 1">
             <a:extLst>
               <a:ext uri="{FF2B5EF4-FFF2-40B4-BE49-F238E27FC236}">
-                <a16:creationId xmlns:a16="http://schemas.microsoft.com/office/drawing/2014/main" id="{14244CA5-54C4-478F-2FF0-AABFCB8AB0F7}"/>
+                <a16:creationId xmlns:a16="http://schemas.microsoft.com/office/drawing/2014/main" id="{61C16AAC-AE50-35E9-26B8-633458A1DFA9}"/>
               </a:ext>
             </a:extLst>
           </p:cNvPr>
@@ -1256,7 +1256,7 @@
           <p:cNvPr id="3" name="内容占位符 2">
             <a:extLst>
               <a:ext uri="{FF2B5EF4-FFF2-40B4-BE49-F238E27FC236}">
-                <a16:creationId xmlns:a16="http://schemas.microsoft.com/office/drawing/2014/main" id="{670C16D0-C34E-18B9-DC6A-8397BDFA8311}"/>
+                <a16:creationId xmlns:a16="http://schemas.microsoft.com/office/drawing/2014/main" id="{6A55669E-D8A6-A3D5-E277-5B42548CE330}"/>
               </a:ext>
             </a:extLst>
           </p:cNvPr>
@@ -1318,7 +1318,7 @@
           <p:cNvPr id="4" name="内容占位符 3">
             <a:extLst>
               <a:ext uri="{FF2B5EF4-FFF2-40B4-BE49-F238E27FC236}">
-                <a16:creationId xmlns:a16="http://schemas.microsoft.com/office/drawing/2014/main" id="{0003CB94-8D27-DBEF-2202-4011CC82224C}"/>
+                <a16:creationId xmlns:a16="http://schemas.microsoft.com/office/drawing/2014/main" id="{355B1B2E-A428-01A2-FC85-89403AEB9AE1}"/>
               </a:ext>
             </a:extLst>
           </p:cNvPr>
@@ -1380,7 +1380,7 @@
           <p:cNvPr id="5" name="日期占位符 4">
             <a:extLst>
               <a:ext uri="{FF2B5EF4-FFF2-40B4-BE49-F238E27FC236}">
-                <a16:creationId xmlns:a16="http://schemas.microsoft.com/office/drawing/2014/main" id="{D770F569-B81B-493B-7852-B3002C721B8A}"/>
+                <a16:creationId xmlns:a16="http://schemas.microsoft.com/office/drawing/2014/main" id="{53B60675-21CF-8AD8-0D85-4C9E7DE33595}"/>
               </a:ext>
             </a:extLst>
           </p:cNvPr>
@@ -1396,7 +1396,7 @@
           <a:bodyPr/>
           <a:lstStyle/>
           <a:p>
-            <a:fld id="{C7ADFB42-82CF-4528-91D9-5ED66AACD96E}" type="datetimeFigureOut">
+            <a:fld id="{85E47519-7876-4536-96CD-5F80D9F87678}" type="datetimeFigureOut">
               <a:rPr lang="zh-CN" altLang="en-US" smtClean="0"/>
               <a:t>2024/3/10</a:t>
             </a:fld>
@@ -1409,7 +1409,7 @@
           <p:cNvPr id="6" name="页脚占位符 5">
             <a:extLst>
               <a:ext uri="{FF2B5EF4-FFF2-40B4-BE49-F238E27FC236}">
-                <a16:creationId xmlns:a16="http://schemas.microsoft.com/office/drawing/2014/main" id="{B3B5EB3C-ABA4-F372-3BB3-4CCCB3C88C9C}"/>
+                <a16:creationId xmlns:a16="http://schemas.microsoft.com/office/drawing/2014/main" id="{955CF736-DE76-4BA5-B383-74A9C0BBA1BF}"/>
               </a:ext>
             </a:extLst>
           </p:cNvPr>
@@ -1434,7 +1434,7 @@
           <p:cNvPr id="7" name="灯片编号占位符 6">
             <a:extLst>
               <a:ext uri="{FF2B5EF4-FFF2-40B4-BE49-F238E27FC236}">
-                <a16:creationId xmlns:a16="http://schemas.microsoft.com/office/drawing/2014/main" id="{E3F6CD30-F1C2-373C-BB9D-66C585D6B6CB}"/>
+                <a16:creationId xmlns:a16="http://schemas.microsoft.com/office/drawing/2014/main" id="{DED2BFAC-1149-7B4A-5E4E-B71860A7D99D}"/>
               </a:ext>
             </a:extLst>
           </p:cNvPr>
@@ -1450,7 +1450,7 @@
           <a:bodyPr/>
           <a:lstStyle/>
           <a:p>
-            <a:fld id="{C85850EA-495F-47C3-9DC0-91849F87B853}" type="slidenum">
+            <a:fld id="{541C7BFE-D5C8-4075-AEAA-FD07FDD9354A}" type="slidenum">
               <a:rPr lang="zh-CN" altLang="en-US" smtClean="0"/>
               <a:t>‹#›</a:t>
             </a:fld>
@@ -1461,7 +1461,7 @@
     </p:spTree>
     <p:extLst>
       <p:ext uri="{BB962C8B-B14F-4D97-AF65-F5344CB8AC3E}">
-        <p14:creationId xmlns:p14="http://schemas.microsoft.com/office/powerpoint/2010/main" val="317689237"/>
+        <p14:creationId xmlns:p14="http://schemas.microsoft.com/office/powerpoint/2010/main" val="2612143623"/>
       </p:ext>
     </p:extLst>
   </p:cSld>
@@ -1493,7 +1493,7 @@
           <p:cNvPr id="2" name="标题 1">
             <a:extLst>
               <a:ext uri="{FF2B5EF4-FFF2-40B4-BE49-F238E27FC236}">
-                <a16:creationId xmlns:a16="http://schemas.microsoft.com/office/drawing/2014/main" id="{E2ED80C0-6EC4-7D32-4101-33CAA757F3AD}"/>
+                <a16:creationId xmlns:a16="http://schemas.microsoft.com/office/drawing/2014/main" id="{1DF3F098-0455-8779-6438-203FB668EF7B}"/>
               </a:ext>
             </a:extLst>
           </p:cNvPr>
@@ -1526,7 +1526,7 @@
           <p:cNvPr id="3" name="文本占位符 2">
             <a:extLst>
               <a:ext uri="{FF2B5EF4-FFF2-40B4-BE49-F238E27FC236}">
-                <a16:creationId xmlns:a16="http://schemas.microsoft.com/office/drawing/2014/main" id="{4DE5F653-EB81-DD1F-813A-FBEE06B5CB30}"/>
+                <a16:creationId xmlns:a16="http://schemas.microsoft.com/office/drawing/2014/main" id="{CE9445BA-1D97-C00D-1216-D8CDEF9A7BE4}"/>
               </a:ext>
             </a:extLst>
           </p:cNvPr>
@@ -1597,7 +1597,7 @@
           <p:cNvPr id="4" name="内容占位符 3">
             <a:extLst>
               <a:ext uri="{FF2B5EF4-FFF2-40B4-BE49-F238E27FC236}">
-                <a16:creationId xmlns:a16="http://schemas.microsoft.com/office/drawing/2014/main" id="{DC803A89-2108-963B-28CB-214D82B232C1}"/>
+                <a16:creationId xmlns:a16="http://schemas.microsoft.com/office/drawing/2014/main" id="{A726115E-8FDA-24E1-3368-7F7D959C105C}"/>
               </a:ext>
             </a:extLst>
           </p:cNvPr>
@@ -1659,7 +1659,7 @@
           <p:cNvPr id="5" name="文本占位符 4">
             <a:extLst>
               <a:ext uri="{FF2B5EF4-FFF2-40B4-BE49-F238E27FC236}">
-                <a16:creationId xmlns:a16="http://schemas.microsoft.com/office/drawing/2014/main" id="{5283157B-D70B-C984-2303-96EB29DB0046}"/>
+                <a16:creationId xmlns:a16="http://schemas.microsoft.com/office/drawing/2014/main" id="{EBAE104E-E80E-5409-2981-4A5C79D3CB03}"/>
               </a:ext>
             </a:extLst>
           </p:cNvPr>
@@ -1730,7 +1730,7 @@
           <p:cNvPr id="6" name="内容占位符 5">
             <a:extLst>
               <a:ext uri="{FF2B5EF4-FFF2-40B4-BE49-F238E27FC236}">
-                <a16:creationId xmlns:a16="http://schemas.microsoft.com/office/drawing/2014/main" id="{043DC43E-787B-4B6B-6659-A2B54858F646}"/>
+                <a16:creationId xmlns:a16="http://schemas.microsoft.com/office/drawing/2014/main" id="{D89F8042-9857-AA4A-9548-35ECA44BE7D0}"/>
               </a:ext>
             </a:extLst>
           </p:cNvPr>
@@ -1792,7 +1792,7 @@
           <p:cNvPr id="7" name="日期占位符 6">
             <a:extLst>
               <a:ext uri="{FF2B5EF4-FFF2-40B4-BE49-F238E27FC236}">
-                <a16:creationId xmlns:a16="http://schemas.microsoft.com/office/drawing/2014/main" id="{B13A36CC-01BF-8E3D-6561-8D43D115DD9B}"/>
+                <a16:creationId xmlns:a16="http://schemas.microsoft.com/office/drawing/2014/main" id="{7A19A842-3CE7-4368-0667-BED3DD7FDB17}"/>
               </a:ext>
             </a:extLst>
           </p:cNvPr>
@@ -1808,7 +1808,7 @@
           <a:bodyPr/>
           <a:lstStyle/>
           <a:p>
-            <a:fld id="{C7ADFB42-82CF-4528-91D9-5ED66AACD96E}" type="datetimeFigureOut">
+            <a:fld id="{85E47519-7876-4536-96CD-5F80D9F87678}" type="datetimeFigureOut">
               <a:rPr lang="zh-CN" altLang="en-US" smtClean="0"/>
               <a:t>2024/3/10</a:t>
             </a:fld>
@@ -1821,7 +1821,7 @@
           <p:cNvPr id="8" name="页脚占位符 7">
             <a:extLst>
               <a:ext uri="{FF2B5EF4-FFF2-40B4-BE49-F238E27FC236}">
-                <a16:creationId xmlns:a16="http://schemas.microsoft.com/office/drawing/2014/main" id="{1FCED292-A0FC-CE63-2B1B-F200AF65477F}"/>
+                <a16:creationId xmlns:a16="http://schemas.microsoft.com/office/drawing/2014/main" id="{46D13E95-2576-C06F-14F1-CBEE460B9BB3}"/>
               </a:ext>
             </a:extLst>
           </p:cNvPr>
@@ -1846,7 +1846,7 @@
           <p:cNvPr id="9" name="灯片编号占位符 8">
             <a:extLst>
               <a:ext uri="{FF2B5EF4-FFF2-40B4-BE49-F238E27FC236}">
-                <a16:creationId xmlns:a16="http://schemas.microsoft.com/office/drawing/2014/main" id="{F25BF41E-E8CC-EE08-062C-D61549BA9432}"/>
+                <a16:creationId xmlns:a16="http://schemas.microsoft.com/office/drawing/2014/main" id="{136D4502-D840-C588-9838-F8C0E0D9307F}"/>
               </a:ext>
             </a:extLst>
           </p:cNvPr>
@@ -1862,7 +1862,7 @@
           <a:bodyPr/>
           <a:lstStyle/>
           <a:p>
-            <a:fld id="{C85850EA-495F-47C3-9DC0-91849F87B853}" type="slidenum">
+            <a:fld id="{541C7BFE-D5C8-4075-AEAA-FD07FDD9354A}" type="slidenum">
               <a:rPr lang="zh-CN" altLang="en-US" smtClean="0"/>
               <a:t>‹#›</a:t>
             </a:fld>
@@ -1873,7 +1873,7 @@
     </p:spTree>
     <p:extLst>
       <p:ext uri="{BB962C8B-B14F-4D97-AF65-F5344CB8AC3E}">
-        <p14:creationId xmlns:p14="http://schemas.microsoft.com/office/powerpoint/2010/main" val="3185426145"/>
+        <p14:creationId xmlns:p14="http://schemas.microsoft.com/office/powerpoint/2010/main" val="2876827664"/>
       </p:ext>
     </p:extLst>
   </p:cSld>
@@ -1905,7 +1905,7 @@
           <p:cNvPr id="2" name="标题 1">
             <a:extLst>
               <a:ext uri="{FF2B5EF4-FFF2-40B4-BE49-F238E27FC236}">
-                <a16:creationId xmlns:a16="http://schemas.microsoft.com/office/drawing/2014/main" id="{E0070509-BFFB-231B-A7E2-95E4EC5FFE24}"/>
+                <a16:creationId xmlns:a16="http://schemas.microsoft.com/office/drawing/2014/main" id="{B77F80AE-929C-E6FE-DD8C-49F717B77541}"/>
               </a:ext>
             </a:extLst>
           </p:cNvPr>
@@ -1933,7 +1933,7 @@
           <p:cNvPr id="3" name="日期占位符 2">
             <a:extLst>
               <a:ext uri="{FF2B5EF4-FFF2-40B4-BE49-F238E27FC236}">
-                <a16:creationId xmlns:a16="http://schemas.microsoft.com/office/drawing/2014/main" id="{98941810-ED00-A494-00B3-818F43EFDFC1}"/>
+                <a16:creationId xmlns:a16="http://schemas.microsoft.com/office/drawing/2014/main" id="{6FA6D314-F342-ED11-2000-01435A4D69B4}"/>
               </a:ext>
             </a:extLst>
           </p:cNvPr>
@@ -1949,7 +1949,7 @@
           <a:bodyPr/>
           <a:lstStyle/>
           <a:p>
-            <a:fld id="{C7ADFB42-82CF-4528-91D9-5ED66AACD96E}" type="datetimeFigureOut">
+            <a:fld id="{85E47519-7876-4536-96CD-5F80D9F87678}" type="datetimeFigureOut">
               <a:rPr lang="zh-CN" altLang="en-US" smtClean="0"/>
               <a:t>2024/3/10</a:t>
             </a:fld>
@@ -1962,7 +1962,7 @@
           <p:cNvPr id="4" name="页脚占位符 3">
             <a:extLst>
               <a:ext uri="{FF2B5EF4-FFF2-40B4-BE49-F238E27FC236}">
-                <a16:creationId xmlns:a16="http://schemas.microsoft.com/office/drawing/2014/main" id="{FA628560-3A07-444F-A6DB-68B565F262BD}"/>
+                <a16:creationId xmlns:a16="http://schemas.microsoft.com/office/drawing/2014/main" id="{F867ECC9-E37B-2193-A2F5-EC5356B7CC67}"/>
               </a:ext>
             </a:extLst>
           </p:cNvPr>
@@ -1987,7 +1987,7 @@
           <p:cNvPr id="5" name="灯片编号占位符 4">
             <a:extLst>
               <a:ext uri="{FF2B5EF4-FFF2-40B4-BE49-F238E27FC236}">
-                <a16:creationId xmlns:a16="http://schemas.microsoft.com/office/drawing/2014/main" id="{60F83841-E116-4E35-C887-549224713FB4}"/>
+                <a16:creationId xmlns:a16="http://schemas.microsoft.com/office/drawing/2014/main" id="{456FB441-3CFE-8005-8A5B-DCE8793C7D1E}"/>
               </a:ext>
             </a:extLst>
           </p:cNvPr>
@@ -2003,7 +2003,7 @@
           <a:bodyPr/>
           <a:lstStyle/>
           <a:p>
-            <a:fld id="{C85850EA-495F-47C3-9DC0-91849F87B853}" type="slidenum">
+            <a:fld id="{541C7BFE-D5C8-4075-AEAA-FD07FDD9354A}" type="slidenum">
               <a:rPr lang="zh-CN" altLang="en-US" smtClean="0"/>
               <a:t>‹#›</a:t>
             </a:fld>
@@ -2014,7 +2014,7 @@
     </p:spTree>
     <p:extLst>
       <p:ext uri="{BB962C8B-B14F-4D97-AF65-F5344CB8AC3E}">
-        <p14:creationId xmlns:p14="http://schemas.microsoft.com/office/powerpoint/2010/main" val="1200072732"/>
+        <p14:creationId xmlns:p14="http://schemas.microsoft.com/office/powerpoint/2010/main" val="3202420177"/>
       </p:ext>
     </p:extLst>
   </p:cSld>
@@ -2046,7 +2046,7 @@
           <p:cNvPr id="2" name="日期占位符 1">
             <a:extLst>
               <a:ext uri="{FF2B5EF4-FFF2-40B4-BE49-F238E27FC236}">
-                <a16:creationId xmlns:a16="http://schemas.microsoft.com/office/drawing/2014/main" id="{FB1E9C77-B0F5-F8A8-4418-268DD3E7ED7B}"/>
+                <a16:creationId xmlns:a16="http://schemas.microsoft.com/office/drawing/2014/main" id="{A36F7756-39FC-3743-05BE-F6DA405D3E9A}"/>
               </a:ext>
             </a:extLst>
           </p:cNvPr>
@@ -2062,7 +2062,7 @@
           <a:bodyPr/>
           <a:lstStyle/>
           <a:p>
-            <a:fld id="{C7ADFB42-82CF-4528-91D9-5ED66AACD96E}" type="datetimeFigureOut">
+            <a:fld id="{85E47519-7876-4536-96CD-5F80D9F87678}" type="datetimeFigureOut">
               <a:rPr lang="zh-CN" altLang="en-US" smtClean="0"/>
               <a:t>2024/3/10</a:t>
             </a:fld>
@@ -2075,7 +2075,7 @@
           <p:cNvPr id="3" name="页脚占位符 2">
             <a:extLst>
               <a:ext uri="{FF2B5EF4-FFF2-40B4-BE49-F238E27FC236}">
-                <a16:creationId xmlns:a16="http://schemas.microsoft.com/office/drawing/2014/main" id="{284BB539-0433-C166-04C7-F74B15F92791}"/>
+                <a16:creationId xmlns:a16="http://schemas.microsoft.com/office/drawing/2014/main" id="{05891420-748B-1919-A2F5-09EA59798622}"/>
               </a:ext>
             </a:extLst>
           </p:cNvPr>
@@ -2100,7 +2100,7 @@
           <p:cNvPr id="4" name="灯片编号占位符 3">
             <a:extLst>
               <a:ext uri="{FF2B5EF4-FFF2-40B4-BE49-F238E27FC236}">
-                <a16:creationId xmlns:a16="http://schemas.microsoft.com/office/drawing/2014/main" id="{16DF721A-9964-425D-5919-CCBFD490B8ED}"/>
+                <a16:creationId xmlns:a16="http://schemas.microsoft.com/office/drawing/2014/main" id="{9F3F9C9D-4088-EFFA-C070-4851F68C96C1}"/>
               </a:ext>
             </a:extLst>
           </p:cNvPr>
@@ -2116,7 +2116,7 @@
           <a:bodyPr/>
           <a:lstStyle/>
           <a:p>
-            <a:fld id="{C85850EA-495F-47C3-9DC0-91849F87B853}" type="slidenum">
+            <a:fld id="{541C7BFE-D5C8-4075-AEAA-FD07FDD9354A}" type="slidenum">
               <a:rPr lang="zh-CN" altLang="en-US" smtClean="0"/>
               <a:t>‹#›</a:t>
             </a:fld>
@@ -2127,7 +2127,7 @@
     </p:spTree>
     <p:extLst>
       <p:ext uri="{BB962C8B-B14F-4D97-AF65-F5344CB8AC3E}">
-        <p14:creationId xmlns:p14="http://schemas.microsoft.com/office/powerpoint/2010/main" val="2931834340"/>
+        <p14:creationId xmlns:p14="http://schemas.microsoft.com/office/powerpoint/2010/main" val="3129976414"/>
       </p:ext>
     </p:extLst>
   </p:cSld>
@@ -2159,7 +2159,7 @@
           <p:cNvPr id="2" name="标题 1">
             <a:extLst>
               <a:ext uri="{FF2B5EF4-FFF2-40B4-BE49-F238E27FC236}">
-                <a16:creationId xmlns:a16="http://schemas.microsoft.com/office/drawing/2014/main" id="{8D58E094-1461-E74B-9EB0-58E953C60777}"/>
+                <a16:creationId xmlns:a16="http://schemas.microsoft.com/office/drawing/2014/main" id="{BBC644E9-A14C-97DD-8B3C-9D6531975E2B}"/>
               </a:ext>
             </a:extLst>
           </p:cNvPr>
@@ -2196,7 +2196,7 @@
           <p:cNvPr id="3" name="内容占位符 2">
             <a:extLst>
               <a:ext uri="{FF2B5EF4-FFF2-40B4-BE49-F238E27FC236}">
-                <a16:creationId xmlns:a16="http://schemas.microsoft.com/office/drawing/2014/main" id="{7B91C028-7C01-8E09-0E73-7C26A9B59E2B}"/>
+                <a16:creationId xmlns:a16="http://schemas.microsoft.com/office/drawing/2014/main" id="{F0F2C28A-5551-A4DE-C8C3-5F326051C315}"/>
               </a:ext>
             </a:extLst>
           </p:cNvPr>
@@ -2286,7 +2286,7 @@
           <p:cNvPr id="4" name="文本占位符 3">
             <a:extLst>
               <a:ext uri="{FF2B5EF4-FFF2-40B4-BE49-F238E27FC236}">
-                <a16:creationId xmlns:a16="http://schemas.microsoft.com/office/drawing/2014/main" id="{841035A8-4C15-4C8B-564A-5CF3B7902059}"/>
+                <a16:creationId xmlns:a16="http://schemas.microsoft.com/office/drawing/2014/main" id="{7AA38DFD-B742-1850-2452-DACC27EDFB6B}"/>
               </a:ext>
             </a:extLst>
           </p:cNvPr>
@@ -2357,7 +2357,7 @@
           <p:cNvPr id="5" name="日期占位符 4">
             <a:extLst>
               <a:ext uri="{FF2B5EF4-FFF2-40B4-BE49-F238E27FC236}">
-                <a16:creationId xmlns:a16="http://schemas.microsoft.com/office/drawing/2014/main" id="{F0EF97B2-51FF-1D60-8CAA-83983261856D}"/>
+                <a16:creationId xmlns:a16="http://schemas.microsoft.com/office/drawing/2014/main" id="{785B4A4C-F168-FEA7-5439-0931AB0C01B6}"/>
               </a:ext>
             </a:extLst>
           </p:cNvPr>
@@ -2373,7 +2373,7 @@
           <a:bodyPr/>
           <a:lstStyle/>
           <a:p>
-            <a:fld id="{C7ADFB42-82CF-4528-91D9-5ED66AACD96E}" type="datetimeFigureOut">
+            <a:fld id="{85E47519-7876-4536-96CD-5F80D9F87678}" type="datetimeFigureOut">
               <a:rPr lang="zh-CN" altLang="en-US" smtClean="0"/>
               <a:t>2024/3/10</a:t>
             </a:fld>
@@ -2386,7 +2386,7 @@
           <p:cNvPr id="6" name="页脚占位符 5">
             <a:extLst>
               <a:ext uri="{FF2B5EF4-FFF2-40B4-BE49-F238E27FC236}">
-                <a16:creationId xmlns:a16="http://schemas.microsoft.com/office/drawing/2014/main" id="{EB4ADE1A-1411-EE35-4603-1D8B16D1CF37}"/>
+                <a16:creationId xmlns:a16="http://schemas.microsoft.com/office/drawing/2014/main" id="{CB993494-73EF-7A0C-4F8A-55B9F9E92976}"/>
               </a:ext>
             </a:extLst>
           </p:cNvPr>
@@ -2411,7 +2411,7 @@
           <p:cNvPr id="7" name="灯片编号占位符 6">
             <a:extLst>
               <a:ext uri="{FF2B5EF4-FFF2-40B4-BE49-F238E27FC236}">
-                <a16:creationId xmlns:a16="http://schemas.microsoft.com/office/drawing/2014/main" id="{A14A53ED-3468-30F5-4D95-60E59B6F9B29}"/>
+                <a16:creationId xmlns:a16="http://schemas.microsoft.com/office/drawing/2014/main" id="{E98A0163-C164-E930-4036-C1CDE75D2CA9}"/>
               </a:ext>
             </a:extLst>
           </p:cNvPr>
@@ -2427,7 +2427,7 @@
           <a:bodyPr/>
           <a:lstStyle/>
           <a:p>
-            <a:fld id="{C85850EA-495F-47C3-9DC0-91849F87B853}" type="slidenum">
+            <a:fld id="{541C7BFE-D5C8-4075-AEAA-FD07FDD9354A}" type="slidenum">
               <a:rPr lang="zh-CN" altLang="en-US" smtClean="0"/>
               <a:t>‹#›</a:t>
             </a:fld>
@@ -2438,7 +2438,7 @@
     </p:spTree>
     <p:extLst>
       <p:ext uri="{BB962C8B-B14F-4D97-AF65-F5344CB8AC3E}">
-        <p14:creationId xmlns:p14="http://schemas.microsoft.com/office/powerpoint/2010/main" val="3330543491"/>
+        <p14:creationId xmlns:p14="http://schemas.microsoft.com/office/powerpoint/2010/main" val="315920535"/>
       </p:ext>
     </p:extLst>
   </p:cSld>
@@ -2470,7 +2470,7 @@
           <p:cNvPr id="2" name="标题 1">
             <a:extLst>
               <a:ext uri="{FF2B5EF4-FFF2-40B4-BE49-F238E27FC236}">
-                <a16:creationId xmlns:a16="http://schemas.microsoft.com/office/drawing/2014/main" id="{37C59DEF-2535-99DA-07AB-8451316E8F0F}"/>
+                <a16:creationId xmlns:a16="http://schemas.microsoft.com/office/drawing/2014/main" id="{40D8A796-4ACC-DA01-7136-0F8D45984D16}"/>
               </a:ext>
             </a:extLst>
           </p:cNvPr>
@@ -2507,7 +2507,7 @@
           <p:cNvPr id="3" name="图片占位符 2">
             <a:extLst>
               <a:ext uri="{FF2B5EF4-FFF2-40B4-BE49-F238E27FC236}">
-                <a16:creationId xmlns:a16="http://schemas.microsoft.com/office/drawing/2014/main" id="{1F0250A0-56E4-1E41-6264-93F79C1D0D6C}"/>
+                <a16:creationId xmlns:a16="http://schemas.microsoft.com/office/drawing/2014/main" id="{982C030B-8449-59AA-734E-6793747A3D28}"/>
               </a:ext>
             </a:extLst>
           </p:cNvPr>
@@ -2574,7 +2574,7 @@
           <p:cNvPr id="4" name="文本占位符 3">
             <a:extLst>
               <a:ext uri="{FF2B5EF4-FFF2-40B4-BE49-F238E27FC236}">
-                <a16:creationId xmlns:a16="http://schemas.microsoft.com/office/drawing/2014/main" id="{7F0A5433-4F1C-E6C3-CEAA-0C2A39631C66}"/>
+                <a16:creationId xmlns:a16="http://schemas.microsoft.com/office/drawing/2014/main" id="{A797AABF-82DE-F19E-1384-9542338BAE49}"/>
               </a:ext>
             </a:extLst>
           </p:cNvPr>
@@ -2645,7 +2645,7 @@
           <p:cNvPr id="5" name="日期占位符 4">
             <a:extLst>
               <a:ext uri="{FF2B5EF4-FFF2-40B4-BE49-F238E27FC236}">
-                <a16:creationId xmlns:a16="http://schemas.microsoft.com/office/drawing/2014/main" id="{0C10B8CB-A125-99E1-42FF-3B05216E20AB}"/>
+                <a16:creationId xmlns:a16="http://schemas.microsoft.com/office/drawing/2014/main" id="{E5B22137-9204-39D4-FE24-57E8B6312063}"/>
               </a:ext>
             </a:extLst>
           </p:cNvPr>
@@ -2661,7 +2661,7 @@
           <a:bodyPr/>
           <a:lstStyle/>
           <a:p>
-            <a:fld id="{C7ADFB42-82CF-4528-91D9-5ED66AACD96E}" type="datetimeFigureOut">
+            <a:fld id="{85E47519-7876-4536-96CD-5F80D9F87678}" type="datetimeFigureOut">
               <a:rPr lang="zh-CN" altLang="en-US" smtClean="0"/>
               <a:t>2024/3/10</a:t>
             </a:fld>
@@ -2674,7 +2674,7 @@
           <p:cNvPr id="6" name="页脚占位符 5">
             <a:extLst>
               <a:ext uri="{FF2B5EF4-FFF2-40B4-BE49-F238E27FC236}">
-                <a16:creationId xmlns:a16="http://schemas.microsoft.com/office/drawing/2014/main" id="{E01D3DA8-FAC8-EA67-4670-595CA52DB77A}"/>
+                <a16:creationId xmlns:a16="http://schemas.microsoft.com/office/drawing/2014/main" id="{868DDF17-D4B8-F3F1-854A-339ED4135E11}"/>
               </a:ext>
             </a:extLst>
           </p:cNvPr>
@@ -2699,7 +2699,7 @@
           <p:cNvPr id="7" name="灯片编号占位符 6">
             <a:extLst>
               <a:ext uri="{FF2B5EF4-FFF2-40B4-BE49-F238E27FC236}">
-                <a16:creationId xmlns:a16="http://schemas.microsoft.com/office/drawing/2014/main" id="{824A0D3E-E114-A170-2665-4C4BD60D0671}"/>
+                <a16:creationId xmlns:a16="http://schemas.microsoft.com/office/drawing/2014/main" id="{8CB1B6F3-BA35-81FB-FC71-C42EEA23B891}"/>
               </a:ext>
             </a:extLst>
           </p:cNvPr>
@@ -2715,7 +2715,7 @@
           <a:bodyPr/>
           <a:lstStyle/>
           <a:p>
-            <a:fld id="{C85850EA-495F-47C3-9DC0-91849F87B853}" type="slidenum">
+            <a:fld id="{541C7BFE-D5C8-4075-AEAA-FD07FDD9354A}" type="slidenum">
               <a:rPr lang="zh-CN" altLang="en-US" smtClean="0"/>
               <a:t>‹#›</a:t>
             </a:fld>
@@ -2726,7 +2726,7 @@
     </p:spTree>
     <p:extLst>
       <p:ext uri="{BB962C8B-B14F-4D97-AF65-F5344CB8AC3E}">
-        <p14:creationId xmlns:p14="http://schemas.microsoft.com/office/powerpoint/2010/main" val="2063414723"/>
+        <p14:creationId xmlns:p14="http://schemas.microsoft.com/office/powerpoint/2010/main" val="1692475304"/>
       </p:ext>
     </p:extLst>
   </p:cSld>
@@ -2763,7 +2763,7 @@
           <p:cNvPr id="2" name="标题占位符 1">
             <a:extLst>
               <a:ext uri="{FF2B5EF4-FFF2-40B4-BE49-F238E27FC236}">
-                <a16:creationId xmlns:a16="http://schemas.microsoft.com/office/drawing/2014/main" id="{8F662634-9914-B036-1146-7ADC294BA9AB}"/>
+                <a16:creationId xmlns:a16="http://schemas.microsoft.com/office/drawing/2014/main" id="{E448300B-0957-984F-1BDA-48255B633475}"/>
               </a:ext>
             </a:extLst>
           </p:cNvPr>
@@ -2801,7 +2801,7 @@
           <p:cNvPr id="3" name="文本占位符 2">
             <a:extLst>
               <a:ext uri="{FF2B5EF4-FFF2-40B4-BE49-F238E27FC236}">
-                <a16:creationId xmlns:a16="http://schemas.microsoft.com/office/drawing/2014/main" id="{7794C365-00CC-CEB1-A282-F3E86053DA4C}"/>
+                <a16:creationId xmlns:a16="http://schemas.microsoft.com/office/drawing/2014/main" id="{5BC57F14-93C6-9FDF-4E80-5CBB385E13F0}"/>
               </a:ext>
             </a:extLst>
           </p:cNvPr>
@@ -2868,7 +2868,7 @@
           <p:cNvPr id="4" name="日期占位符 3">
             <a:extLst>
               <a:ext uri="{FF2B5EF4-FFF2-40B4-BE49-F238E27FC236}">
-                <a16:creationId xmlns:a16="http://schemas.microsoft.com/office/drawing/2014/main" id="{7D5614A2-758E-20EA-AC57-2EF9EA2F51DB}"/>
+                <a16:creationId xmlns:a16="http://schemas.microsoft.com/office/drawing/2014/main" id="{4C051160-B134-A313-72BD-4A2C133A3999}"/>
               </a:ext>
             </a:extLst>
           </p:cNvPr>
@@ -2902,7 +2902,7 @@
             </a:lvl1pPr>
           </a:lstStyle>
           <a:p>
-            <a:fld id="{C7ADFB42-82CF-4528-91D9-5ED66AACD96E}" type="datetimeFigureOut">
+            <a:fld id="{85E47519-7876-4536-96CD-5F80D9F87678}" type="datetimeFigureOut">
               <a:rPr lang="zh-CN" altLang="en-US" smtClean="0"/>
               <a:t>2024/3/10</a:t>
             </a:fld>
@@ -2915,7 +2915,7 @@
           <p:cNvPr id="5" name="页脚占位符 4">
             <a:extLst>
               <a:ext uri="{FF2B5EF4-FFF2-40B4-BE49-F238E27FC236}">
-                <a16:creationId xmlns:a16="http://schemas.microsoft.com/office/drawing/2014/main" id="{EF62B8DB-30AC-1162-18B4-8490DC94616A}"/>
+                <a16:creationId xmlns:a16="http://schemas.microsoft.com/office/drawing/2014/main" id="{A875B5C3-BAFE-6C80-7417-ED7DE9751002}"/>
               </a:ext>
             </a:extLst>
           </p:cNvPr>
@@ -2958,7 +2958,7 @@
           <p:cNvPr id="6" name="灯片编号占位符 5">
             <a:extLst>
               <a:ext uri="{FF2B5EF4-FFF2-40B4-BE49-F238E27FC236}">
-                <a16:creationId xmlns:a16="http://schemas.microsoft.com/office/drawing/2014/main" id="{BD4C2761-158D-A9C5-FF34-37FB0A045EA6}"/>
+                <a16:creationId xmlns:a16="http://schemas.microsoft.com/office/drawing/2014/main" id="{970F6903-C164-61A0-7E24-5A827A061B2E}"/>
               </a:ext>
             </a:extLst>
           </p:cNvPr>
@@ -2992,7 +2992,7 @@
             </a:lvl1pPr>
           </a:lstStyle>
           <a:p>
-            <a:fld id="{C85850EA-495F-47C3-9DC0-91849F87B853}" type="slidenum">
+            <a:fld id="{541C7BFE-D5C8-4075-AEAA-FD07FDD9354A}" type="slidenum">
               <a:rPr lang="zh-CN" altLang="en-US" smtClean="0"/>
               <a:t>‹#›</a:t>
             </a:fld>
@@ -3003,7 +3003,7 @@
     </p:spTree>
     <p:extLst>
       <p:ext uri="{BB962C8B-B14F-4D97-AF65-F5344CB8AC3E}">
-        <p14:creationId xmlns:p14="http://schemas.microsoft.com/office/powerpoint/2010/main" val="413163091"/>
+        <p14:creationId xmlns:p14="http://schemas.microsoft.com/office/powerpoint/2010/main" val="731534530"/>
       </p:ext>
     </p:extLst>
   </p:cSld>
